--- a/ppt/helloWorld.pptx
+++ b/ppt/helloWorld.pptx
@@ -4086,7 +4086,7 @@
                                           </p:stCondLst>
                                         </p:cTn>
                                         <p:tgtEl>
-                                          <p:spTgt spid="9"/>
+                                          <p:spTgt spid="7"/>
                                         </p:tgtEl>
                                         <p:attrNameLst>
                                           <p:attrName>style.visibility</p:attrName>
@@ -4100,112 +4100,13 @@
                                       <p:cBhvr>
                                         <p:cTn id="19" dur="1000"/>
                                         <p:tgtEl>
-                                          <p:spTgt spid="9"/>
+                                          <p:spTgt spid="7"/>
                                         </p:tgtEl>
                                       </p:cBhvr>
                                     </p:animEffect>
                                     <p:anim calcmode="lin" valueType="num">
                                       <p:cBhvr>
                                         <p:cTn id="20" dur="1000" fill="hold"/>
-                                        <p:tgtEl>
-                                          <p:spTgt spid="9"/>
-                                        </p:tgtEl>
-                                        <p:attrNameLst>
-                                          <p:attrName>ppt_x</p:attrName>
-                                        </p:attrNameLst>
-                                      </p:cBhvr>
-                                      <p:tavLst>
-                                        <p:tav tm="0">
-                                          <p:val>
-                                            <p:strVal val="#ppt_x"/>
-                                          </p:val>
-                                        </p:tav>
-                                        <p:tav tm="100000">
-                                          <p:val>
-                                            <p:strVal val="#ppt_x"/>
-                                          </p:val>
-                                        </p:tav>
-                                      </p:tavLst>
-                                    </p:anim>
-                                    <p:anim calcmode="lin" valueType="num">
-                                      <p:cBhvr>
-                                        <p:cTn id="21" dur="1000" fill="hold"/>
-                                        <p:tgtEl>
-                                          <p:spTgt spid="9"/>
-                                        </p:tgtEl>
-                                        <p:attrNameLst>
-                                          <p:attrName>ppt_y</p:attrName>
-                                        </p:attrNameLst>
-                                      </p:cBhvr>
-                                      <p:tavLst>
-                                        <p:tav tm="0">
-                                          <p:val>
-                                            <p:strVal val="#ppt_y-.1"/>
-                                          </p:val>
-                                        </p:tav>
-                                        <p:tav tm="100000">
-                                          <p:val>
-                                            <p:strVal val="#ppt_y"/>
-                                          </p:val>
-                                        </p:tav>
-                                      </p:tavLst>
-                                    </p:anim>
-                                  </p:childTnLst>
-                                </p:cTn>
-                              </p:par>
-                            </p:childTnLst>
-                          </p:cTn>
-                        </p:par>
-                      </p:childTnLst>
-                    </p:cTn>
-                  </p:par>
-                  <p:par>
-                    <p:cTn id="22" fill="hold">
-                      <p:stCondLst>
-                        <p:cond delay="indefinite"/>
-                      </p:stCondLst>
-                      <p:childTnLst>
-                        <p:par>
-                          <p:cTn id="23" fill="hold">
-                            <p:stCondLst>
-                              <p:cond delay="0"/>
-                            </p:stCondLst>
-                            <p:childTnLst>
-                              <p:par>
-                                <p:cTn id="24" presetID="47" presetClass="entr" presetSubtype="0" fill="hold" grpId="0" nodeType="clickEffect">
-                                  <p:stCondLst>
-                                    <p:cond delay="0"/>
-                                  </p:stCondLst>
-                                  <p:childTnLst>
-                                    <p:set>
-                                      <p:cBhvr>
-                                        <p:cTn id="25" dur="1" fill="hold">
-                                          <p:stCondLst>
-                                            <p:cond delay="0"/>
-                                          </p:stCondLst>
-                                        </p:cTn>
-                                        <p:tgtEl>
-                                          <p:spTgt spid="7"/>
-                                        </p:tgtEl>
-                                        <p:attrNameLst>
-                                          <p:attrName>style.visibility</p:attrName>
-                                        </p:attrNameLst>
-                                      </p:cBhvr>
-                                      <p:to>
-                                        <p:strVal val="visible"/>
-                                      </p:to>
-                                    </p:set>
-                                    <p:animEffect transition="in" filter="fade">
-                                      <p:cBhvr>
-                                        <p:cTn id="26" dur="1000"/>
-                                        <p:tgtEl>
-                                          <p:spTgt spid="7"/>
-                                        </p:tgtEl>
-                                      </p:cBhvr>
-                                    </p:animEffect>
-                                    <p:anim calcmode="lin" valueType="num">
-                                      <p:cBhvr>
-                                        <p:cTn id="27" dur="1000" fill="hold"/>
                                         <p:tgtEl>
                                           <p:spTgt spid="7"/>
                                         </p:tgtEl>
@@ -4228,7 +4129,7 @@
                                     </p:anim>
                                     <p:anim calcmode="lin" valueType="num">
                                       <p:cBhvr>
-                                        <p:cTn id="28" dur="1000" fill="hold"/>
+                                        <p:cTn id="21" dur="1000" fill="hold"/>
                                         <p:tgtEl>
                                           <p:spTgt spid="7"/>
                                         </p:tgtEl>
@@ -4253,14 +4154,95 @@
                                 </p:cTn>
                               </p:par>
                               <p:par>
-                                <p:cTn id="29" presetID="47" presetClass="entr" presetSubtype="0" fill="hold" grpId="0" nodeType="withEffect">
+                                <p:cTn id="22" presetID="47" presetClass="entr" presetSubtype="0" fill="hold" grpId="0" nodeType="withEffect">
                                   <p:stCondLst>
                                     <p:cond delay="0"/>
                                   </p:stCondLst>
                                   <p:childTnLst>
                                     <p:set>
                                       <p:cBhvr>
-                                        <p:cTn id="30" dur="1" fill="hold">
+                                        <p:cTn id="23" dur="1" fill="hold">
+                                          <p:stCondLst>
+                                            <p:cond delay="0"/>
+                                          </p:stCondLst>
+                                        </p:cTn>
+                                        <p:tgtEl>
+                                          <p:spTgt spid="9"/>
+                                        </p:tgtEl>
+                                        <p:attrNameLst>
+                                          <p:attrName>style.visibility</p:attrName>
+                                        </p:attrNameLst>
+                                      </p:cBhvr>
+                                      <p:to>
+                                        <p:strVal val="visible"/>
+                                      </p:to>
+                                    </p:set>
+                                    <p:animEffect transition="in" filter="fade">
+                                      <p:cBhvr>
+                                        <p:cTn id="24" dur="1000"/>
+                                        <p:tgtEl>
+                                          <p:spTgt spid="9"/>
+                                        </p:tgtEl>
+                                      </p:cBhvr>
+                                    </p:animEffect>
+                                    <p:anim calcmode="lin" valueType="num">
+                                      <p:cBhvr>
+                                        <p:cTn id="25" dur="1000" fill="hold"/>
+                                        <p:tgtEl>
+                                          <p:spTgt spid="9"/>
+                                        </p:tgtEl>
+                                        <p:attrNameLst>
+                                          <p:attrName>ppt_x</p:attrName>
+                                        </p:attrNameLst>
+                                      </p:cBhvr>
+                                      <p:tavLst>
+                                        <p:tav tm="0">
+                                          <p:val>
+                                            <p:strVal val="#ppt_x"/>
+                                          </p:val>
+                                        </p:tav>
+                                        <p:tav tm="100000">
+                                          <p:val>
+                                            <p:strVal val="#ppt_x"/>
+                                          </p:val>
+                                        </p:tav>
+                                      </p:tavLst>
+                                    </p:anim>
+                                    <p:anim calcmode="lin" valueType="num">
+                                      <p:cBhvr>
+                                        <p:cTn id="26" dur="1000" fill="hold"/>
+                                        <p:tgtEl>
+                                          <p:spTgt spid="9"/>
+                                        </p:tgtEl>
+                                        <p:attrNameLst>
+                                          <p:attrName>ppt_y</p:attrName>
+                                        </p:attrNameLst>
+                                      </p:cBhvr>
+                                      <p:tavLst>
+                                        <p:tav tm="0">
+                                          <p:val>
+                                            <p:strVal val="#ppt_y-.1"/>
+                                          </p:val>
+                                        </p:tav>
+                                        <p:tav tm="100000">
+                                          <p:val>
+                                            <p:strVal val="#ppt_y"/>
+                                          </p:val>
+                                        </p:tav>
+                                      </p:tavLst>
+                                    </p:anim>
+                                  </p:childTnLst>
+                                </p:cTn>
+                              </p:par>
+                              <p:par>
+                                <p:cTn id="27" presetID="47" presetClass="entr" presetSubtype="0" fill="hold" grpId="0" nodeType="withEffect">
+                                  <p:stCondLst>
+                                    <p:cond delay="0"/>
+                                  </p:stCondLst>
+                                  <p:childTnLst>
+                                    <p:set>
+                                      <p:cBhvr>
+                                        <p:cTn id="28" dur="1" fill="hold">
                                           <p:stCondLst>
                                             <p:cond delay="0"/>
                                           </p:stCondLst>
@@ -4278,7 +4260,7 @@
                                     </p:set>
                                     <p:animEffect transition="in" filter="fade">
                                       <p:cBhvr>
-                                        <p:cTn id="31" dur="1000"/>
+                                        <p:cTn id="29" dur="1000"/>
                                         <p:tgtEl>
                                           <p:spTgt spid="14"/>
                                         </p:tgtEl>
@@ -4286,7 +4268,7 @@
                                     </p:animEffect>
                                     <p:anim calcmode="lin" valueType="num">
                                       <p:cBhvr>
-                                        <p:cTn id="32" dur="1000" fill="hold"/>
+                                        <p:cTn id="30" dur="1000" fill="hold"/>
                                         <p:tgtEl>
                                           <p:spTgt spid="14"/>
                                         </p:tgtEl>
@@ -4309,7 +4291,7 @@
                                     </p:anim>
                                     <p:anim calcmode="lin" valueType="num">
                                       <p:cBhvr>
-                                        <p:cTn id="33" dur="1000" fill="hold"/>
+                                        <p:cTn id="31" dur="1000" fill="hold"/>
                                         <p:tgtEl>
                                           <p:spTgt spid="14"/>
                                         </p:tgtEl>
@@ -4340,26 +4322,107 @@
                     </p:cTn>
                   </p:par>
                   <p:par>
-                    <p:cTn id="34" fill="hold">
+                    <p:cTn id="32" fill="hold">
                       <p:stCondLst>
                         <p:cond delay="indefinite"/>
                       </p:stCondLst>
                       <p:childTnLst>
                         <p:par>
-                          <p:cTn id="35" fill="hold">
+                          <p:cTn id="33" fill="hold">
                             <p:stCondLst>
                               <p:cond delay="0"/>
                             </p:stCondLst>
                             <p:childTnLst>
                               <p:par>
-                                <p:cTn id="36" presetID="47" presetClass="entr" presetSubtype="0" fill="hold" grpId="0" nodeType="clickEffect">
+                                <p:cTn id="34" presetID="47" presetClass="entr" presetSubtype="0" fill="hold" grpId="0" nodeType="clickEffect">
                                   <p:stCondLst>
                                     <p:cond delay="0"/>
                                   </p:stCondLst>
                                   <p:childTnLst>
                                     <p:set>
                                       <p:cBhvr>
-                                        <p:cTn id="37" dur="1" fill="hold">
+                                        <p:cTn id="35" dur="1" fill="hold">
+                                          <p:stCondLst>
+                                            <p:cond delay="0"/>
+                                          </p:stCondLst>
+                                        </p:cTn>
+                                        <p:tgtEl>
+                                          <p:spTgt spid="8"/>
+                                        </p:tgtEl>
+                                        <p:attrNameLst>
+                                          <p:attrName>style.visibility</p:attrName>
+                                        </p:attrNameLst>
+                                      </p:cBhvr>
+                                      <p:to>
+                                        <p:strVal val="visible"/>
+                                      </p:to>
+                                    </p:set>
+                                    <p:animEffect transition="in" filter="fade">
+                                      <p:cBhvr>
+                                        <p:cTn id="36" dur="1000"/>
+                                        <p:tgtEl>
+                                          <p:spTgt spid="8"/>
+                                        </p:tgtEl>
+                                      </p:cBhvr>
+                                    </p:animEffect>
+                                    <p:anim calcmode="lin" valueType="num">
+                                      <p:cBhvr>
+                                        <p:cTn id="37" dur="1000" fill="hold"/>
+                                        <p:tgtEl>
+                                          <p:spTgt spid="8"/>
+                                        </p:tgtEl>
+                                        <p:attrNameLst>
+                                          <p:attrName>ppt_x</p:attrName>
+                                        </p:attrNameLst>
+                                      </p:cBhvr>
+                                      <p:tavLst>
+                                        <p:tav tm="0">
+                                          <p:val>
+                                            <p:strVal val="#ppt_x"/>
+                                          </p:val>
+                                        </p:tav>
+                                        <p:tav tm="100000">
+                                          <p:val>
+                                            <p:strVal val="#ppt_x"/>
+                                          </p:val>
+                                        </p:tav>
+                                      </p:tavLst>
+                                    </p:anim>
+                                    <p:anim calcmode="lin" valueType="num">
+                                      <p:cBhvr>
+                                        <p:cTn id="38" dur="1000" fill="hold"/>
+                                        <p:tgtEl>
+                                          <p:spTgt spid="8"/>
+                                        </p:tgtEl>
+                                        <p:attrNameLst>
+                                          <p:attrName>ppt_y</p:attrName>
+                                        </p:attrNameLst>
+                                      </p:cBhvr>
+                                      <p:tavLst>
+                                        <p:tav tm="0">
+                                          <p:val>
+                                            <p:strVal val="#ppt_y-.1"/>
+                                          </p:val>
+                                        </p:tav>
+                                        <p:tav tm="100000">
+                                          <p:val>
+                                            <p:strVal val="#ppt_y"/>
+                                          </p:val>
+                                        </p:tav>
+                                      </p:tavLst>
+                                    </p:anim>
+                                  </p:childTnLst>
+                                </p:cTn>
+                              </p:par>
+                              <p:par>
+                                <p:cTn id="39" presetID="47" presetClass="entr" presetSubtype="0" fill="hold" grpId="0" nodeType="withEffect">
+                                  <p:stCondLst>
+                                    <p:cond delay="0"/>
+                                  </p:stCondLst>
+                                  <p:childTnLst>
+                                    <p:set>
+                                      <p:cBhvr>
+                                        <p:cTn id="40" dur="1" fill="hold">
                                           <p:stCondLst>
                                             <p:cond delay="0"/>
                                           </p:stCondLst>
@@ -4377,7 +4440,7 @@
                                     </p:set>
                                     <p:animEffect transition="in" filter="fade">
                                       <p:cBhvr>
-                                        <p:cTn id="38" dur="1000"/>
+                                        <p:cTn id="41" dur="1000"/>
                                         <p:tgtEl>
                                           <p:spTgt spid="10"/>
                                         </p:tgtEl>
@@ -4385,7 +4448,7 @@
                                     </p:animEffect>
                                     <p:anim calcmode="lin" valueType="num">
                                       <p:cBhvr>
-                                        <p:cTn id="39" dur="1000" fill="hold"/>
+                                        <p:cTn id="42" dur="1000" fill="hold"/>
                                         <p:tgtEl>
                                           <p:spTgt spid="10"/>
                                         </p:tgtEl>
@@ -4408,108 +4471,9 @@
                                     </p:anim>
                                     <p:anim calcmode="lin" valueType="num">
                                       <p:cBhvr>
-                                        <p:cTn id="40" dur="1000" fill="hold"/>
+                                        <p:cTn id="43" dur="1000" fill="hold"/>
                                         <p:tgtEl>
                                           <p:spTgt spid="10"/>
-                                        </p:tgtEl>
-                                        <p:attrNameLst>
-                                          <p:attrName>ppt_y</p:attrName>
-                                        </p:attrNameLst>
-                                      </p:cBhvr>
-                                      <p:tavLst>
-                                        <p:tav tm="0">
-                                          <p:val>
-                                            <p:strVal val="#ppt_y-.1"/>
-                                          </p:val>
-                                        </p:tav>
-                                        <p:tav tm="100000">
-                                          <p:val>
-                                            <p:strVal val="#ppt_y"/>
-                                          </p:val>
-                                        </p:tav>
-                                      </p:tavLst>
-                                    </p:anim>
-                                  </p:childTnLst>
-                                </p:cTn>
-                              </p:par>
-                            </p:childTnLst>
-                          </p:cTn>
-                        </p:par>
-                      </p:childTnLst>
-                    </p:cTn>
-                  </p:par>
-                  <p:par>
-                    <p:cTn id="41" fill="hold">
-                      <p:stCondLst>
-                        <p:cond delay="indefinite"/>
-                      </p:stCondLst>
-                      <p:childTnLst>
-                        <p:par>
-                          <p:cTn id="42" fill="hold">
-                            <p:stCondLst>
-                              <p:cond delay="0"/>
-                            </p:stCondLst>
-                            <p:childTnLst>
-                              <p:par>
-                                <p:cTn id="43" presetID="47" presetClass="entr" presetSubtype="0" fill="hold" grpId="0" nodeType="clickEffect">
-                                  <p:stCondLst>
-                                    <p:cond delay="0"/>
-                                  </p:stCondLst>
-                                  <p:childTnLst>
-                                    <p:set>
-                                      <p:cBhvr>
-                                        <p:cTn id="44" dur="1" fill="hold">
-                                          <p:stCondLst>
-                                            <p:cond delay="0"/>
-                                          </p:stCondLst>
-                                        </p:cTn>
-                                        <p:tgtEl>
-                                          <p:spTgt spid="8"/>
-                                        </p:tgtEl>
-                                        <p:attrNameLst>
-                                          <p:attrName>style.visibility</p:attrName>
-                                        </p:attrNameLst>
-                                      </p:cBhvr>
-                                      <p:to>
-                                        <p:strVal val="visible"/>
-                                      </p:to>
-                                    </p:set>
-                                    <p:animEffect transition="in" filter="fade">
-                                      <p:cBhvr>
-                                        <p:cTn id="45" dur="1000"/>
-                                        <p:tgtEl>
-                                          <p:spTgt spid="8"/>
-                                        </p:tgtEl>
-                                      </p:cBhvr>
-                                    </p:animEffect>
-                                    <p:anim calcmode="lin" valueType="num">
-                                      <p:cBhvr>
-                                        <p:cTn id="46" dur="1000" fill="hold"/>
-                                        <p:tgtEl>
-                                          <p:spTgt spid="8"/>
-                                        </p:tgtEl>
-                                        <p:attrNameLst>
-                                          <p:attrName>ppt_x</p:attrName>
-                                        </p:attrNameLst>
-                                      </p:cBhvr>
-                                      <p:tavLst>
-                                        <p:tav tm="0">
-                                          <p:val>
-                                            <p:strVal val="#ppt_x"/>
-                                          </p:val>
-                                        </p:tav>
-                                        <p:tav tm="100000">
-                                          <p:val>
-                                            <p:strVal val="#ppt_x"/>
-                                          </p:val>
-                                        </p:tav>
-                                      </p:tavLst>
-                                    </p:anim>
-                                    <p:anim calcmode="lin" valueType="num">
-                                      <p:cBhvr>
-                                        <p:cTn id="47" dur="1000" fill="hold"/>
-                                        <p:tgtEl>
-                                          <p:spTgt spid="8"/>
                                         </p:tgtEl>
                                         <p:attrNameLst>
                                           <p:attrName>ppt_y</p:attrName>
@@ -7076,7 +7040,6 @@
             <a:pPr algn="ctr"/>
             <a:r>
               <a:rPr lang="en-US" altLang="zh-CN" sz="7200" b="1">
-                <a:ln/>
                 <a:solidFill>
                   <a:schemeClr val="accent1"/>
                 </a:solidFill>
@@ -7091,7 +7054,6 @@
               <a:t>“</a:t>
             </a:r>
             <a:endParaRPr lang="en-US" altLang="zh-CN" sz="7200" b="1">
-              <a:ln/>
               <a:solidFill>
                 <a:schemeClr val="accent1"/>
               </a:solidFill>
